--- a/misc/figures.pptx
+++ b/misc/figures.pptx
@@ -2488,7 +2488,7 @@
           <c:xMode val="edge"/>
           <c:yMode val="edge"/>
           <c:x val="0.26128841607565012"/>
-          <c:y val="0.10648148148148148"/>
+          <c:y val="7.6058305211848504E-2"/>
         </c:manualLayout>
       </c:layout>
       <c:overlay val="0"/>
@@ -2524,8 +2524,264 @@
         <c:scatterStyle val="smoothMarker"/>
         <c:varyColors val="0"/>
         <c:ser>
+          <c:idx val="7"/>
+          <c:order val="0"/>
+          <c:tx>
+            <c:strRef>
+              <c:f>Sheet2!$A$23</c:f>
+              <c:strCache>
+                <c:ptCount val="1"/>
+                <c:pt idx="0">
+                  <c:v>bert</c:v>
+                </c:pt>
+              </c:strCache>
+            </c:strRef>
+          </c:tx>
+          <c:spPr>
+            <a:ln w="12700" cap="rnd">
+              <a:solidFill>
+                <a:schemeClr val="accent2"/>
+              </a:solidFill>
+              <a:round/>
+            </a:ln>
+            <a:effectLst/>
+          </c:spPr>
+          <c:marker>
+            <c:symbol val="star"/>
+            <c:size val="8"/>
+            <c:spPr>
+              <a:noFill/>
+              <a:ln w="9525">
+                <a:solidFill>
+                  <a:schemeClr val="accent2"/>
+                </a:solidFill>
+              </a:ln>
+              <a:effectLst/>
+            </c:spPr>
+          </c:marker>
+          <c:xVal>
+            <c:numRef>
+              <c:f>Sheet2!$B$1:$L$1</c:f>
+              <c:numCache>
+                <c:formatCode>General</c:formatCode>
+                <c:ptCount val="11"/>
+                <c:pt idx="0">
+                  <c:v>0</c:v>
+                </c:pt>
+                <c:pt idx="1">
+                  <c:v>0.1</c:v>
+                </c:pt>
+                <c:pt idx="2">
+                  <c:v>0.2</c:v>
+                </c:pt>
+                <c:pt idx="3">
+                  <c:v>0.3</c:v>
+                </c:pt>
+                <c:pt idx="4">
+                  <c:v>0.4</c:v>
+                </c:pt>
+                <c:pt idx="5">
+                  <c:v>0.5</c:v>
+                </c:pt>
+                <c:pt idx="6">
+                  <c:v>0.6</c:v>
+                </c:pt>
+                <c:pt idx="7">
+                  <c:v>0.7</c:v>
+                </c:pt>
+                <c:pt idx="8">
+                  <c:v>0.8</c:v>
+                </c:pt>
+                <c:pt idx="9">
+                  <c:v>0.9</c:v>
+                </c:pt>
+                <c:pt idx="10">
+                  <c:v>1</c:v>
+                </c:pt>
+              </c:numCache>
+            </c:numRef>
+          </c:xVal>
+          <c:yVal>
+            <c:numRef>
+              <c:f>Sheet2!$B$25:$L$25</c:f>
+              <c:numCache>
+                <c:formatCode>0.0000</c:formatCode>
+                <c:ptCount val="11"/>
+                <c:pt idx="0">
+                  <c:v>-1.6589861751151957E-2</c:v>
+                </c:pt>
+                <c:pt idx="1">
+                  <c:v>-4.608294930875001E-3</c:v>
+                </c:pt>
+                <c:pt idx="2">
+                  <c:v>8.2949308755760343E-3</c:v>
+                </c:pt>
+                <c:pt idx="3">
+                  <c:v>-2.857142857142897E-2</c:v>
+                </c:pt>
+                <c:pt idx="4">
+                  <c:v>-1.8433179723502002E-2</c:v>
+                </c:pt>
+                <c:pt idx="5">
+                  <c:v>-8.2949308755759787E-3</c:v>
+                </c:pt>
+                <c:pt idx="6">
+                  <c:v>4.6082949308760002E-3</c:v>
+                </c:pt>
+                <c:pt idx="7">
+                  <c:v>-3.6866359447009778E-3</c:v>
+                </c:pt>
+                <c:pt idx="8">
+                  <c:v>9.2165898617510011E-3</c:v>
+                </c:pt>
+                <c:pt idx="9">
+                  <c:v>1.8433179723501975E-3</c:v>
+                </c:pt>
+                <c:pt idx="10">
+                  <c:v>0</c:v>
+                </c:pt>
+              </c:numCache>
+            </c:numRef>
+          </c:yVal>
+          <c:smooth val="1"/>
+          <c:extLst>
+            <c:ext xmlns:c16="http://schemas.microsoft.com/office/drawing/2014/chart" uri="{C3380CC4-5D6E-409C-BE32-E72D297353CC}">
+              <c16:uniqueId val="{00000000-E9FE-4DBC-BF36-2F71E148B1FB}"/>
+            </c:ext>
+          </c:extLst>
+        </c:ser>
+        <c:ser>
+          <c:idx val="6"/>
+          <c:order val="1"/>
+          <c:tx>
+            <c:strRef>
+              <c:f>Sheet2!$A$46</c:f>
+              <c:strCache>
+                <c:ptCount val="1"/>
+                <c:pt idx="0">
+                  <c:v>cat</c:v>
+                </c:pt>
+              </c:strCache>
+            </c:strRef>
+          </c:tx>
+          <c:spPr>
+            <a:ln w="12700" cap="rnd">
+              <a:solidFill>
+                <a:srgbClr val="078179"/>
+              </a:solidFill>
+              <a:round/>
+            </a:ln>
+            <a:effectLst/>
+          </c:spPr>
+          <c:marker>
+            <c:symbol val="plus"/>
+            <c:size val="10"/>
+            <c:spPr>
+              <a:solidFill>
+                <a:schemeClr val="bg2"/>
+              </a:solidFill>
+              <a:ln w="12700">
+                <a:solidFill>
+                  <a:srgbClr val="078179"/>
+                </a:solidFill>
+              </a:ln>
+              <a:effectLst/>
+            </c:spPr>
+          </c:marker>
+          <c:xVal>
+            <c:numRef>
+              <c:f>Sheet2!$B$1:$L$1</c:f>
+              <c:numCache>
+                <c:formatCode>General</c:formatCode>
+                <c:ptCount val="11"/>
+                <c:pt idx="0">
+                  <c:v>0</c:v>
+                </c:pt>
+                <c:pt idx="1">
+                  <c:v>0.1</c:v>
+                </c:pt>
+                <c:pt idx="2">
+                  <c:v>0.2</c:v>
+                </c:pt>
+                <c:pt idx="3">
+                  <c:v>0.3</c:v>
+                </c:pt>
+                <c:pt idx="4">
+                  <c:v>0.4</c:v>
+                </c:pt>
+                <c:pt idx="5">
+                  <c:v>0.5</c:v>
+                </c:pt>
+                <c:pt idx="6">
+                  <c:v>0.6</c:v>
+                </c:pt>
+                <c:pt idx="7">
+                  <c:v>0.7</c:v>
+                </c:pt>
+                <c:pt idx="8">
+                  <c:v>0.8</c:v>
+                </c:pt>
+                <c:pt idx="9">
+                  <c:v>0.9</c:v>
+                </c:pt>
+                <c:pt idx="10">
+                  <c:v>1</c:v>
+                </c:pt>
+              </c:numCache>
+            </c:numRef>
+          </c:xVal>
+          <c:yVal>
+            <c:numRef>
+              <c:f>Sheet2!$B$22:$L$22</c:f>
+              <c:numCache>
+                <c:formatCode>0.0000</c:formatCode>
+                <c:ptCount val="11"/>
+                <c:pt idx="0">
+                  <c:v>0.10073129060369496</c:v>
+                </c:pt>
+                <c:pt idx="1">
+                  <c:v>0.10098175988119301</c:v>
+                </c:pt>
+                <c:pt idx="2">
+                  <c:v>9.3127647384390999E-2</c:v>
+                </c:pt>
+                <c:pt idx="3">
+                  <c:v>6.2833874241295995E-2</c:v>
+                </c:pt>
+                <c:pt idx="4">
+                  <c:v>5.7334315270480996E-2</c:v>
+                </c:pt>
+                <c:pt idx="5">
+                  <c:v>5.5999965812557007E-2</c:v>
+                </c:pt>
+                <c:pt idx="6">
+                  <c:v>4.4116581535304011E-2</c:v>
+                </c:pt>
+                <c:pt idx="7">
+                  <c:v>2.8052050957295016E-2</c:v>
+                </c:pt>
+                <c:pt idx="8">
+                  <c:v>3.9291280518512009E-2</c:v>
+                </c:pt>
+                <c:pt idx="9">
+                  <c:v>1.2640334360815207E-2</c:v>
+                </c:pt>
+                <c:pt idx="10">
+                  <c:v>8.4059064844966003E-3</c:v>
+                </c:pt>
+              </c:numCache>
+            </c:numRef>
+          </c:yVal>
+          <c:smooth val="1"/>
+          <c:extLst>
+            <c:ext xmlns:c16="http://schemas.microsoft.com/office/drawing/2014/chart" uri="{C3380CC4-5D6E-409C-BE32-E72D297353CC}">
+              <c16:uniqueId val="{00000001-E9FE-4DBC-BF36-2F71E148B1FB}"/>
+            </c:ext>
+          </c:extLst>
+        </c:ser>
+        <c:ser>
           <c:idx val="2"/>
-          <c:order val="0"/>
+          <c:order val="2"/>
           <c:tx>
             <c:strRef>
               <c:f>Sheet2!$A$8</c:f>
@@ -2648,13 +2904,13 @@
           <c:smooth val="1"/>
           <c:extLst>
             <c:ext xmlns:c16="http://schemas.microsoft.com/office/drawing/2014/chart" uri="{C3380CC4-5D6E-409C-BE32-E72D297353CC}">
-              <c16:uniqueId val="{00000000-665B-4B29-B713-6EAD7A215639}"/>
+              <c16:uniqueId val="{00000002-E9FE-4DBC-BF36-2F71E148B1FB}"/>
             </c:ext>
           </c:extLst>
         </c:ser>
         <c:ser>
           <c:idx val="0"/>
-          <c:order val="1"/>
+          <c:order val="3"/>
           <c:tx>
             <c:strRef>
               <c:f>Sheet2!$A$2</c:f>
@@ -2777,13 +3033,13 @@
           <c:smooth val="1"/>
           <c:extLst>
             <c:ext xmlns:c16="http://schemas.microsoft.com/office/drawing/2014/chart" uri="{C3380CC4-5D6E-409C-BE32-E72D297353CC}">
-              <c16:uniqueId val="{00000001-665B-4B29-B713-6EAD7A215639}"/>
+              <c16:uniqueId val="{00000003-E9FE-4DBC-BF36-2F71E148B1FB}"/>
             </c:ext>
           </c:extLst>
         </c:ser>
         <c:ser>
           <c:idx val="1"/>
-          <c:order val="2"/>
+          <c:order val="4"/>
           <c:tx>
             <c:strRef>
               <c:f>Sheet2!$A$5</c:f>
@@ -2906,140 +3162,13 @@
           <c:smooth val="1"/>
           <c:extLst>
             <c:ext xmlns:c16="http://schemas.microsoft.com/office/drawing/2014/chart" uri="{C3380CC4-5D6E-409C-BE32-E72D297353CC}">
-              <c16:uniqueId val="{00000002-665B-4B29-B713-6EAD7A215639}"/>
-            </c:ext>
-          </c:extLst>
-        </c:ser>
-        <c:ser>
-          <c:idx val="3"/>
-          <c:order val="3"/>
-          <c:tx>
-            <c:strRef>
-              <c:f>Sheet2!$A$11</c:f>
-              <c:strCache>
-                <c:ptCount val="1"/>
-                <c:pt idx="0">
-                  <c:v>ctm-z</c:v>
-                </c:pt>
-              </c:strCache>
-            </c:strRef>
-          </c:tx>
-          <c:spPr>
-            <a:ln w="12700" cap="rnd">
-              <a:solidFill>
-                <a:schemeClr val="accent2"/>
-              </a:solidFill>
-              <a:round/>
-            </a:ln>
-            <a:effectLst/>
-          </c:spPr>
-          <c:marker>
-            <c:symbol val="star"/>
-            <c:size val="7"/>
-            <c:spPr>
-              <a:noFill/>
-              <a:ln w="9525">
-                <a:solidFill>
-                  <a:schemeClr val="accent2"/>
-                </a:solidFill>
-              </a:ln>
-              <a:effectLst/>
-            </c:spPr>
-          </c:marker>
-          <c:xVal>
-            <c:numRef>
-              <c:f>Sheet2!$B$1:$L$1</c:f>
-              <c:numCache>
-                <c:formatCode>General</c:formatCode>
-                <c:ptCount val="11"/>
-                <c:pt idx="0">
-                  <c:v>0</c:v>
-                </c:pt>
-                <c:pt idx="1">
-                  <c:v>0.1</c:v>
-                </c:pt>
-                <c:pt idx="2">
-                  <c:v>0.2</c:v>
-                </c:pt>
-                <c:pt idx="3">
-                  <c:v>0.3</c:v>
-                </c:pt>
-                <c:pt idx="4">
-                  <c:v>0.4</c:v>
-                </c:pt>
-                <c:pt idx="5">
-                  <c:v>0.5</c:v>
-                </c:pt>
-                <c:pt idx="6">
-                  <c:v>0.6</c:v>
-                </c:pt>
-                <c:pt idx="7">
-                  <c:v>0.7</c:v>
-                </c:pt>
-                <c:pt idx="8">
-                  <c:v>0.8</c:v>
-                </c:pt>
-                <c:pt idx="9">
-                  <c:v>0.9</c:v>
-                </c:pt>
-                <c:pt idx="10">
-                  <c:v>1</c:v>
-                </c:pt>
-              </c:numCache>
-            </c:numRef>
-          </c:xVal>
-          <c:yVal>
-            <c:numRef>
-              <c:f>Sheet2!$B$13:$L$13</c:f>
-              <c:numCache>
-                <c:formatCode>0.0000</c:formatCode>
-                <c:ptCount val="11"/>
-                <c:pt idx="0">
-                  <c:v>1.7857142857142898E-2</c:v>
-                </c:pt>
-                <c:pt idx="1">
-                  <c:v>1.3392857142857201E-2</c:v>
-                </c:pt>
-                <c:pt idx="2">
-                  <c:v>2.5000000000000001E-2</c:v>
-                </c:pt>
-                <c:pt idx="3">
-                  <c:v>1.3392857142857099E-2</c:v>
-                </c:pt>
-                <c:pt idx="4">
-                  <c:v>1.4285714285714301E-2</c:v>
-                </c:pt>
-                <c:pt idx="5">
-                  <c:v>1.4285714285714301E-2</c:v>
-                </c:pt>
-                <c:pt idx="6">
-                  <c:v>1.6964285714285703E-2</c:v>
-                </c:pt>
-                <c:pt idx="7">
-                  <c:v>1.1607142857142799E-2</c:v>
-                </c:pt>
-                <c:pt idx="8">
-                  <c:v>5.3571428571429006E-3</c:v>
-                </c:pt>
-                <c:pt idx="9">
-                  <c:v>1.1607142857142901E-2</c:v>
-                </c:pt>
-                <c:pt idx="10">
-                  <c:v>5.3571428571427999E-3</c:v>
-                </c:pt>
-              </c:numCache>
-            </c:numRef>
-          </c:yVal>
-          <c:smooth val="1"/>
-          <c:extLst>
-            <c:ext xmlns:c16="http://schemas.microsoft.com/office/drawing/2014/chart" uri="{C3380CC4-5D6E-409C-BE32-E72D297353CC}">
-              <c16:uniqueId val="{00000003-665B-4B29-B713-6EAD7A215639}"/>
+              <c16:uniqueId val="{00000004-E9FE-4DBC-BF36-2F71E148B1FB}"/>
             </c:ext>
           </c:extLst>
         </c:ser>
         <c:ser>
           <c:idx val="4"/>
-          <c:order val="4"/>
+          <c:order val="6"/>
           <c:tx>
             <c:strRef>
               <c:f>Sheet2!$A$14</c:f>
@@ -3162,13 +3291,13 @@
           <c:smooth val="1"/>
           <c:extLst>
             <c:ext xmlns:c16="http://schemas.microsoft.com/office/drawing/2014/chart" uri="{C3380CC4-5D6E-409C-BE32-E72D297353CC}">
-              <c16:uniqueId val="{00000004-665B-4B29-B713-6EAD7A215639}"/>
+              <c16:uniqueId val="{00000005-E9FE-4DBC-BF36-2F71E148B1FB}"/>
             </c:ext>
           </c:extLst>
         </c:ser>
         <c:ser>
           <c:idx val="5"/>
-          <c:order val="5"/>
+          <c:order val="7"/>
           <c:tx>
             <c:strRef>
               <c:f>Sheet2!$A$17</c:f>
@@ -3289,7 +3418,7 @@
           <c:smooth val="1"/>
           <c:extLst>
             <c:ext xmlns:c16="http://schemas.microsoft.com/office/drawing/2014/chart" uri="{C3380CC4-5D6E-409C-BE32-E72D297353CC}">
-              <c16:uniqueId val="{00000005-665B-4B29-B713-6EAD7A215639}"/>
+              <c16:uniqueId val="{00000006-E9FE-4DBC-BF36-2F71E148B1FB}"/>
             </c:ext>
           </c:extLst>
         </c:ser>
@@ -3303,6 +3432,157 @@
         </c:dLbls>
         <c:axId val="1057650367"/>
         <c:axId val="1057648927"/>
+        <c:extLst>
+          <c:ext xmlns:c15="http://schemas.microsoft.com/office/drawing/2012/chart" uri="{02D57815-91ED-43cb-92C2-25804820EDAC}">
+            <c15:filteredScatterSeries>
+              <c15:ser>
+                <c:idx val="3"/>
+                <c:order val="5"/>
+                <c:tx>
+                  <c:strRef>
+                    <c:extLst>
+                      <c:ext uri="{02D57815-91ED-43cb-92C2-25804820EDAC}">
+                        <c15:formulaRef>
+                          <c15:sqref>Sheet2!$A$11</c15:sqref>
+                        </c15:formulaRef>
+                      </c:ext>
+                    </c:extLst>
+                    <c:strCache>
+                      <c:ptCount val="1"/>
+                      <c:pt idx="0">
+                        <c:v>ctm-z</c:v>
+                      </c:pt>
+                    </c:strCache>
+                  </c:strRef>
+                </c:tx>
+                <c:spPr>
+                  <a:ln w="12700" cap="rnd">
+                    <a:solidFill>
+                      <a:schemeClr val="accent2"/>
+                    </a:solidFill>
+                    <a:round/>
+                  </a:ln>
+                  <a:effectLst/>
+                </c:spPr>
+                <c:marker>
+                  <c:symbol val="star"/>
+                  <c:size val="7"/>
+                  <c:spPr>
+                    <a:noFill/>
+                    <a:ln w="9525">
+                      <a:solidFill>
+                        <a:schemeClr val="accent2"/>
+                      </a:solidFill>
+                    </a:ln>
+                    <a:effectLst/>
+                  </c:spPr>
+                </c:marker>
+                <c:xVal>
+                  <c:numRef>
+                    <c:extLst>
+                      <c:ext uri="{02D57815-91ED-43cb-92C2-25804820EDAC}">
+                        <c15:formulaRef>
+                          <c15:sqref>Sheet2!$B$1:$L$1</c15:sqref>
+                        </c15:formulaRef>
+                      </c:ext>
+                    </c:extLst>
+                    <c:numCache>
+                      <c:formatCode>General</c:formatCode>
+                      <c:ptCount val="11"/>
+                      <c:pt idx="0">
+                        <c:v>0</c:v>
+                      </c:pt>
+                      <c:pt idx="1">
+                        <c:v>0.1</c:v>
+                      </c:pt>
+                      <c:pt idx="2">
+                        <c:v>0.2</c:v>
+                      </c:pt>
+                      <c:pt idx="3">
+                        <c:v>0.3</c:v>
+                      </c:pt>
+                      <c:pt idx="4">
+                        <c:v>0.4</c:v>
+                      </c:pt>
+                      <c:pt idx="5">
+                        <c:v>0.5</c:v>
+                      </c:pt>
+                      <c:pt idx="6">
+                        <c:v>0.6</c:v>
+                      </c:pt>
+                      <c:pt idx="7">
+                        <c:v>0.7</c:v>
+                      </c:pt>
+                      <c:pt idx="8">
+                        <c:v>0.8</c:v>
+                      </c:pt>
+                      <c:pt idx="9">
+                        <c:v>0.9</c:v>
+                      </c:pt>
+                      <c:pt idx="10">
+                        <c:v>1</c:v>
+                      </c:pt>
+                    </c:numCache>
+                  </c:numRef>
+                </c:xVal>
+                <c:yVal>
+                  <c:numRef>
+                    <c:extLst>
+                      <c:ext uri="{02D57815-91ED-43cb-92C2-25804820EDAC}">
+                        <c15:formulaRef>
+                          <c15:sqref>Sheet2!$B$13:$L$13</c15:sqref>
+                        </c15:formulaRef>
+                      </c:ext>
+                    </c:extLst>
+                    <c:numCache>
+                      <c:formatCode>0.0000</c:formatCode>
+                      <c:ptCount val="11"/>
+                      <c:pt idx="0">
+                        <c:v>1.7857142857142898E-2</c:v>
+                      </c:pt>
+                      <c:pt idx="1">
+                        <c:v>1.3392857142857201E-2</c:v>
+                      </c:pt>
+                      <c:pt idx="2">
+                        <c:v>2.5000000000000001E-2</c:v>
+                      </c:pt>
+                      <c:pt idx="3">
+                        <c:v>1.3392857142857099E-2</c:v>
+                      </c:pt>
+                      <c:pt idx="4">
+                        <c:v>1.4285714285714301E-2</c:v>
+                      </c:pt>
+                      <c:pt idx="5">
+                        <c:v>1.4285714285714301E-2</c:v>
+                      </c:pt>
+                      <c:pt idx="6">
+                        <c:v>1.6964285714285703E-2</c:v>
+                      </c:pt>
+                      <c:pt idx="7">
+                        <c:v>1.1607142857142799E-2</c:v>
+                      </c:pt>
+                      <c:pt idx="8">
+                        <c:v>5.3571428571429006E-3</c:v>
+                      </c:pt>
+                      <c:pt idx="9">
+                        <c:v>1.1607142857142901E-2</c:v>
+                      </c:pt>
+                      <c:pt idx="10">
+                        <c:v>5.3571428571427999E-3</c:v>
+                      </c:pt>
+                    </c:numCache>
+                  </c:numRef>
+                </c:yVal>
+                <c:smooth val="1"/>
+                <c:extLst>
+                  <c:ext xmlns:c16="http://schemas.microsoft.com/office/drawing/2014/chart" uri="{C3380CC4-5D6E-409C-BE32-E72D297353CC}">
+                    <c16:uniqueId val="{00000007-E9FE-4DBC-BF36-2F71E148B1FB}"/>
+                  </c:ext>
+                </c:extLst>
+              </c15:ser>
+            </c15:filteredScatterSeries>
+          </c:ext>
+        </c:extLst>
       </c:scatterChart>
       <c:valAx>
         <c:axId val="1057650367"/>
@@ -3414,7 +3694,7 @@
         <c:scaling>
           <c:orientation val="minMax"/>
           <c:max val="0.2"/>
-          <c:min val="-0.1"/>
+          <c:min val="-5.000000000000001E-2"/>
         </c:scaling>
         <c:delete val="0"/>
         <c:axPos val="l"/>
@@ -3538,10 +3818,10 @@
         <c:manualLayout>
           <c:xMode val="edge"/>
           <c:yMode val="edge"/>
-          <c:x val="0.69587335492637892"/>
-          <c:y val="0.20960848643919511"/>
-          <c:w val="0.27965879265091864"/>
-          <c:h val="0.51562117235345573"/>
+          <c:x val="0.69565044396046238"/>
+          <c:y val="0.15697679237463738"/>
+          <c:w val="0.28642825896762902"/>
+          <c:h val="0.5477980877390326"/>
         </c:manualLayout>
       </c:layout>
       <c:overlay val="0"/>
@@ -3654,7 +3934,7 @@
           <c:xMode val="edge"/>
           <c:yMode val="edge"/>
           <c:x val="0.25537825059101654"/>
-          <c:y val="0.10648148148148148"/>
+          <c:y val="8.0026559180102472E-2"/>
         </c:manualLayout>
       </c:layout>
       <c:overlay val="0"/>
@@ -3690,11 +3970,267 @@
         <c:scatterStyle val="smoothMarker"/>
         <c:varyColors val="0"/>
         <c:ser>
-          <c:idx val="2"/>
+          <c:idx val="7"/>
           <c:order val="0"/>
           <c:tx>
             <c:strRef>
-              <c:f>Sheet2!$A$28</c:f>
+              <c:f>Sheet2!$A$49</c:f>
+              <c:strCache>
+                <c:ptCount val="1"/>
+                <c:pt idx="0">
+                  <c:v>bert</c:v>
+                </c:pt>
+              </c:strCache>
+            </c:strRef>
+          </c:tx>
+          <c:spPr>
+            <a:ln w="12700" cap="rnd">
+              <a:solidFill>
+                <a:schemeClr val="accent2"/>
+              </a:solidFill>
+              <a:round/>
+            </a:ln>
+            <a:effectLst/>
+          </c:spPr>
+          <c:marker>
+            <c:symbol val="star"/>
+            <c:size val="8"/>
+            <c:spPr>
+              <a:noFill/>
+              <a:ln w="9525">
+                <a:solidFill>
+                  <a:schemeClr val="accent2"/>
+                </a:solidFill>
+              </a:ln>
+              <a:effectLst/>
+            </c:spPr>
+          </c:marker>
+          <c:xVal>
+            <c:numRef>
+              <c:f>Sheet2!$B$27:$L$27</c:f>
+              <c:numCache>
+                <c:formatCode>General</c:formatCode>
+                <c:ptCount val="11"/>
+                <c:pt idx="0">
+                  <c:v>0</c:v>
+                </c:pt>
+                <c:pt idx="1">
+                  <c:v>0.1</c:v>
+                </c:pt>
+                <c:pt idx="2">
+                  <c:v>0.2</c:v>
+                </c:pt>
+                <c:pt idx="3">
+                  <c:v>0.3</c:v>
+                </c:pt>
+                <c:pt idx="4">
+                  <c:v>0.4</c:v>
+                </c:pt>
+                <c:pt idx="5">
+                  <c:v>0.5</c:v>
+                </c:pt>
+                <c:pt idx="6">
+                  <c:v>0.6</c:v>
+                </c:pt>
+                <c:pt idx="7">
+                  <c:v>0.7</c:v>
+                </c:pt>
+                <c:pt idx="8">
+                  <c:v>0.8</c:v>
+                </c:pt>
+                <c:pt idx="9">
+                  <c:v>0.9</c:v>
+                </c:pt>
+                <c:pt idx="10">
+                  <c:v>1</c:v>
+                </c:pt>
+              </c:numCache>
+            </c:numRef>
+          </c:xVal>
+          <c:yVal>
+            <c:numRef>
+              <c:f>Sheet2!$B$51:$L$51</c:f>
+              <c:numCache>
+                <c:formatCode>0.0000</c:formatCode>
+                <c:ptCount val="11"/>
+                <c:pt idx="0">
+                  <c:v>-2.098705166558501E-2</c:v>
+                </c:pt>
+                <c:pt idx="1">
+                  <c:v>-1.456662459125202E-2</c:v>
+                </c:pt>
+                <c:pt idx="2">
+                  <c:v>3.8093716323800431E-4</c:v>
+                </c:pt>
+                <c:pt idx="3">
+                  <c:v>-2.4398934841113995E-2</c:v>
+                </c:pt>
+                <c:pt idx="4">
+                  <c:v>-1.7342205402379962E-2</c:v>
+                </c:pt>
+                <c:pt idx="5">
+                  <c:v>-1.1905886624682005E-2</c:v>
+                </c:pt>
+                <c:pt idx="6">
+                  <c:v>5.8189012692489994E-3</c:v>
+                </c:pt>
+                <c:pt idx="7">
+                  <c:v>-1.4194967165689992E-2</c:v>
+                </c:pt>
+                <c:pt idx="8">
+                  <c:v>4.3268717437059956E-3</c:v>
+                </c:pt>
+                <c:pt idx="9">
+                  <c:v>3.6200347104459948E-3</c:v>
+                </c:pt>
+                <c:pt idx="10">
+                  <c:v>0</c:v>
+                </c:pt>
+              </c:numCache>
+            </c:numRef>
+          </c:yVal>
+          <c:smooth val="1"/>
+          <c:extLst>
+            <c:ext xmlns:c16="http://schemas.microsoft.com/office/drawing/2014/chart" uri="{C3380CC4-5D6E-409C-BE32-E72D297353CC}">
+              <c16:uniqueId val="{00000000-45C6-4CC0-ADAF-E90D53E1E121}"/>
+            </c:ext>
+          </c:extLst>
+        </c:ser>
+        <c:ser>
+          <c:idx val="6"/>
+          <c:order val="1"/>
+          <c:tx>
+            <c:strRef>
+              <c:f>Sheet2!$A$46</c:f>
+              <c:strCache>
+                <c:ptCount val="1"/>
+                <c:pt idx="0">
+                  <c:v>cat</c:v>
+                </c:pt>
+              </c:strCache>
+            </c:strRef>
+          </c:tx>
+          <c:spPr>
+            <a:ln w="12700" cap="rnd">
+              <a:solidFill>
+                <a:srgbClr val="078179"/>
+              </a:solidFill>
+              <a:round/>
+            </a:ln>
+            <a:effectLst/>
+          </c:spPr>
+          <c:marker>
+            <c:symbol val="plus"/>
+            <c:size val="10"/>
+            <c:spPr>
+              <a:solidFill>
+                <a:schemeClr val="bg2"/>
+              </a:solidFill>
+              <a:ln w="12700">
+                <a:solidFill>
+                  <a:srgbClr val="078179"/>
+                </a:solidFill>
+              </a:ln>
+              <a:effectLst/>
+            </c:spPr>
+          </c:marker>
+          <c:xVal>
+            <c:numRef>
+              <c:f>Sheet2!$B$1:$L$1</c:f>
+              <c:numCache>
+                <c:formatCode>General</c:formatCode>
+                <c:ptCount val="11"/>
+                <c:pt idx="0">
+                  <c:v>0</c:v>
+                </c:pt>
+                <c:pt idx="1">
+                  <c:v>0.1</c:v>
+                </c:pt>
+                <c:pt idx="2">
+                  <c:v>0.2</c:v>
+                </c:pt>
+                <c:pt idx="3">
+                  <c:v>0.3</c:v>
+                </c:pt>
+                <c:pt idx="4">
+                  <c:v>0.4</c:v>
+                </c:pt>
+                <c:pt idx="5">
+                  <c:v>0.5</c:v>
+                </c:pt>
+                <c:pt idx="6">
+                  <c:v>0.6</c:v>
+                </c:pt>
+                <c:pt idx="7">
+                  <c:v>0.7</c:v>
+                </c:pt>
+                <c:pt idx="8">
+                  <c:v>0.8</c:v>
+                </c:pt>
+                <c:pt idx="9">
+                  <c:v>0.9</c:v>
+                </c:pt>
+                <c:pt idx="10">
+                  <c:v>1</c:v>
+                </c:pt>
+              </c:numCache>
+            </c:numRef>
+          </c:xVal>
+          <c:yVal>
+            <c:numRef>
+              <c:f>Sheet2!$B$48:$L$48</c:f>
+              <c:numCache>
+                <c:formatCode>0.0000</c:formatCode>
+                <c:ptCount val="11"/>
+                <c:pt idx="0">
+                  <c:v>7.7132335169809996E-2</c:v>
+                </c:pt>
+                <c:pt idx="1">
+                  <c:v>7.2378641780425967E-2</c:v>
+                </c:pt>
+                <c:pt idx="2">
+                  <c:v>5.9898841205408004E-2</c:v>
+                </c:pt>
+                <c:pt idx="3">
+                  <c:v>5.366689132550001E-2</c:v>
+                </c:pt>
+                <c:pt idx="4">
+                  <c:v>5.8298121654781987E-2</c:v>
+                </c:pt>
+                <c:pt idx="5">
+                  <c:v>3.0895731691926998E-2</c:v>
+                </c:pt>
+                <c:pt idx="6">
+                  <c:v>4.1344509334305002E-2</c:v>
+                </c:pt>
+                <c:pt idx="7">
+                  <c:v>2.8694506374687012E-2</c:v>
+                </c:pt>
+                <c:pt idx="8">
+                  <c:v>1.4283250078646018E-2</c:v>
+                </c:pt>
+                <c:pt idx="9">
+                  <c:v>1.3100776047252308E-2</c:v>
+                </c:pt>
+                <c:pt idx="10">
+                  <c:v>9.2178374422665008E-3</c:v>
+                </c:pt>
+              </c:numCache>
+            </c:numRef>
+          </c:yVal>
+          <c:smooth val="1"/>
+          <c:extLst>
+            <c:ext xmlns:c16="http://schemas.microsoft.com/office/drawing/2014/chart" uri="{C3380CC4-5D6E-409C-BE32-E72D297353CC}">
+              <c16:uniqueId val="{00000001-45C6-4CC0-ADAF-E90D53E1E121}"/>
+            </c:ext>
+          </c:extLst>
+        </c:ser>
+        <c:ser>
+          <c:idx val="2"/>
+          <c:order val="2"/>
+          <c:tx>
+            <c:strRef>
+              <c:f>Sheet2!$A$34</c:f>
               <c:strCache>
                 <c:ptCount val="1"/>
                 <c:pt idx="0">
@@ -3771,7 +4307,7 @@
           </c:xVal>
           <c:yVal>
             <c:numRef>
-              <c:f>Sheet2!$B$30:$L$30</c:f>
+              <c:f>Sheet2!$B$36:$L$36</c:f>
               <c:numCache>
                 <c:formatCode>0.0000</c:formatCode>
                 <c:ptCount val="11"/>
@@ -3814,13 +4350,13 @@
           <c:smooth val="1"/>
           <c:extLst>
             <c:ext xmlns:c16="http://schemas.microsoft.com/office/drawing/2014/chart" uri="{C3380CC4-5D6E-409C-BE32-E72D297353CC}">
-              <c16:uniqueId val="{00000000-53DB-4D35-BAFC-E0F07FA5C99E}"/>
+              <c16:uniqueId val="{00000002-45C6-4CC0-ADAF-E90D53E1E121}"/>
             </c:ext>
           </c:extLst>
         </c:ser>
         <c:ser>
           <c:idx val="0"/>
-          <c:order val="1"/>
+          <c:order val="3"/>
           <c:tx>
             <c:strRef>
               <c:f>Sheet2!$A$2</c:f>
@@ -3900,7 +4436,7 @@
           </c:xVal>
           <c:yVal>
             <c:numRef>
-              <c:f>Sheet2!$B$24:$L$24</c:f>
+              <c:f>Sheet2!$B$30:$L$30</c:f>
               <c:numCache>
                 <c:formatCode>0.0000</c:formatCode>
                 <c:ptCount val="11"/>
@@ -3943,13 +4479,13 @@
           <c:smooth val="1"/>
           <c:extLst>
             <c:ext xmlns:c16="http://schemas.microsoft.com/office/drawing/2014/chart" uri="{C3380CC4-5D6E-409C-BE32-E72D297353CC}">
-              <c16:uniqueId val="{00000001-53DB-4D35-BAFC-E0F07FA5C99E}"/>
+              <c16:uniqueId val="{00000003-45C6-4CC0-ADAF-E90D53E1E121}"/>
             </c:ext>
           </c:extLst>
         </c:ser>
         <c:ser>
           <c:idx val="1"/>
-          <c:order val="2"/>
+          <c:order val="4"/>
           <c:tx>
             <c:strRef>
               <c:f>Sheet2!$A$5</c:f>
@@ -4029,7 +4565,7 @@
           </c:xVal>
           <c:yVal>
             <c:numRef>
-              <c:f>Sheet2!$B$27:$L$27</c:f>
+              <c:f>Sheet2!$B$33:$L$33</c:f>
               <c:numCache>
                 <c:formatCode>0.0000</c:formatCode>
                 <c:ptCount val="11"/>
@@ -4072,140 +4608,13 @@
           <c:smooth val="1"/>
           <c:extLst>
             <c:ext xmlns:c16="http://schemas.microsoft.com/office/drawing/2014/chart" uri="{C3380CC4-5D6E-409C-BE32-E72D297353CC}">
-              <c16:uniqueId val="{00000002-53DB-4D35-BAFC-E0F07FA5C99E}"/>
-            </c:ext>
-          </c:extLst>
-        </c:ser>
-        <c:ser>
-          <c:idx val="3"/>
-          <c:order val="3"/>
-          <c:tx>
-            <c:strRef>
-              <c:f>Sheet2!$A$11</c:f>
-              <c:strCache>
-                <c:ptCount val="1"/>
-                <c:pt idx="0">
-                  <c:v>ctm-z</c:v>
-                </c:pt>
-              </c:strCache>
-            </c:strRef>
-          </c:tx>
-          <c:spPr>
-            <a:ln w="12700" cap="rnd">
-              <a:solidFill>
-                <a:schemeClr val="accent2"/>
-              </a:solidFill>
-              <a:round/>
-            </a:ln>
-            <a:effectLst/>
-          </c:spPr>
-          <c:marker>
-            <c:symbol val="star"/>
-            <c:size val="7"/>
-            <c:spPr>
-              <a:noFill/>
-              <a:ln w="9525">
-                <a:solidFill>
-                  <a:schemeClr val="accent2"/>
-                </a:solidFill>
-              </a:ln>
-              <a:effectLst/>
-            </c:spPr>
-          </c:marker>
-          <c:xVal>
-            <c:numRef>
-              <c:f>Sheet2!$B$1:$L$1</c:f>
-              <c:numCache>
-                <c:formatCode>General</c:formatCode>
-                <c:ptCount val="11"/>
-                <c:pt idx="0">
-                  <c:v>0</c:v>
-                </c:pt>
-                <c:pt idx="1">
-                  <c:v>0.1</c:v>
-                </c:pt>
-                <c:pt idx="2">
-                  <c:v>0.2</c:v>
-                </c:pt>
-                <c:pt idx="3">
-                  <c:v>0.3</c:v>
-                </c:pt>
-                <c:pt idx="4">
-                  <c:v>0.4</c:v>
-                </c:pt>
-                <c:pt idx="5">
-                  <c:v>0.5</c:v>
-                </c:pt>
-                <c:pt idx="6">
-                  <c:v>0.6</c:v>
-                </c:pt>
-                <c:pt idx="7">
-                  <c:v>0.7</c:v>
-                </c:pt>
-                <c:pt idx="8">
-                  <c:v>0.8</c:v>
-                </c:pt>
-                <c:pt idx="9">
-                  <c:v>0.9</c:v>
-                </c:pt>
-                <c:pt idx="10">
-                  <c:v>1</c:v>
-                </c:pt>
-              </c:numCache>
-            </c:numRef>
-          </c:xVal>
-          <c:yVal>
-            <c:numRef>
-              <c:f>Sheet2!$B$33:$L$33</c:f>
-              <c:numCache>
-                <c:formatCode>0.0000</c:formatCode>
-                <c:ptCount val="11"/>
-                <c:pt idx="0">
-                  <c:v>2.2939855568167199E-2</c:v>
-                </c:pt>
-                <c:pt idx="1">
-                  <c:v>1.8486971643020201E-2</c:v>
-                </c:pt>
-                <c:pt idx="2">
-                  <c:v>2.69372129374192E-2</c:v>
-                </c:pt>
-                <c:pt idx="3">
-                  <c:v>1.7961961123800899E-2</c:v>
-                </c:pt>
-                <c:pt idx="4">
-                  <c:v>1.56948242418E-2</c:v>
-                </c:pt>
-                <c:pt idx="5">
-                  <c:v>2.01375289234638E-2</c:v>
-                </c:pt>
-                <c:pt idx="6">
-                  <c:v>1.79849725922714E-2</c:v>
-                </c:pt>
-                <c:pt idx="7">
-                  <c:v>1.53447916623026E-2</c:v>
-                </c:pt>
-                <c:pt idx="8">
-                  <c:v>1.38685188147262E-2</c:v>
-                </c:pt>
-                <c:pt idx="9">
-                  <c:v>1.23050926075557E-2</c:v>
-                </c:pt>
-                <c:pt idx="10">
-                  <c:v>8.0922371243753004E-3</c:v>
-                </c:pt>
-              </c:numCache>
-            </c:numRef>
-          </c:yVal>
-          <c:smooth val="1"/>
-          <c:extLst>
-            <c:ext xmlns:c16="http://schemas.microsoft.com/office/drawing/2014/chart" uri="{C3380CC4-5D6E-409C-BE32-E72D297353CC}">
-              <c16:uniqueId val="{00000003-53DB-4D35-BAFC-E0F07FA5C99E}"/>
+              <c16:uniqueId val="{00000004-45C6-4CC0-ADAF-E90D53E1E121}"/>
             </c:ext>
           </c:extLst>
         </c:ser>
         <c:ser>
           <c:idx val="4"/>
-          <c:order val="4"/>
+          <c:order val="6"/>
           <c:tx>
             <c:strRef>
               <c:f>Sheet2!$A$14</c:f>
@@ -4285,7 +4694,7 @@
           </c:xVal>
           <c:yVal>
             <c:numRef>
-              <c:f>Sheet2!$B$36:$L$36</c:f>
+              <c:f>Sheet2!$B$42:$L$42</c:f>
               <c:numCache>
                 <c:formatCode>0.0000</c:formatCode>
                 <c:ptCount val="11"/>
@@ -4328,13 +4737,13 @@
           <c:smooth val="1"/>
           <c:extLst>
             <c:ext xmlns:c16="http://schemas.microsoft.com/office/drawing/2014/chart" uri="{C3380CC4-5D6E-409C-BE32-E72D297353CC}">
-              <c16:uniqueId val="{00000004-53DB-4D35-BAFC-E0F07FA5C99E}"/>
+              <c16:uniqueId val="{00000005-45C6-4CC0-ADAF-E90D53E1E121}"/>
             </c:ext>
           </c:extLst>
         </c:ser>
         <c:ser>
           <c:idx val="5"/>
-          <c:order val="5"/>
+          <c:order val="7"/>
           <c:tx>
             <c:strRef>
               <c:f>Sheet2!$A$17</c:f>
@@ -4412,7 +4821,7 @@
           </c:xVal>
           <c:yVal>
             <c:numRef>
-              <c:f>Sheet2!$B$39:$L$39</c:f>
+              <c:f>Sheet2!$B$45:$L$45</c:f>
               <c:numCache>
                 <c:formatCode>0.0000</c:formatCode>
                 <c:ptCount val="11"/>
@@ -4455,7 +4864,7 @@
           <c:smooth val="1"/>
           <c:extLst>
             <c:ext xmlns:c16="http://schemas.microsoft.com/office/drawing/2014/chart" uri="{C3380CC4-5D6E-409C-BE32-E72D297353CC}">
-              <c16:uniqueId val="{00000005-53DB-4D35-BAFC-E0F07FA5C99E}"/>
+              <c16:uniqueId val="{00000006-45C6-4CC0-ADAF-E90D53E1E121}"/>
             </c:ext>
           </c:extLst>
         </c:ser>
@@ -4469,6 +4878,157 @@
         </c:dLbls>
         <c:axId val="1057650367"/>
         <c:axId val="1057648927"/>
+        <c:extLst>
+          <c:ext xmlns:c15="http://schemas.microsoft.com/office/drawing/2012/chart" uri="{02D57815-91ED-43cb-92C2-25804820EDAC}">
+            <c15:filteredScatterSeries>
+              <c15:ser>
+                <c:idx val="3"/>
+                <c:order val="5"/>
+                <c:tx>
+                  <c:strRef>
+                    <c:extLst>
+                      <c:ext uri="{02D57815-91ED-43cb-92C2-25804820EDAC}">
+                        <c15:formulaRef>
+                          <c15:sqref>Sheet2!$A$11</c15:sqref>
+                        </c15:formulaRef>
+                      </c:ext>
+                    </c:extLst>
+                    <c:strCache>
+                      <c:ptCount val="1"/>
+                      <c:pt idx="0">
+                        <c:v>ctm-z</c:v>
+                      </c:pt>
+                    </c:strCache>
+                  </c:strRef>
+                </c:tx>
+                <c:spPr>
+                  <a:ln w="12700" cap="rnd">
+                    <a:solidFill>
+                      <a:schemeClr val="accent2"/>
+                    </a:solidFill>
+                    <a:round/>
+                  </a:ln>
+                  <a:effectLst/>
+                </c:spPr>
+                <c:marker>
+                  <c:symbol val="star"/>
+                  <c:size val="7"/>
+                  <c:spPr>
+                    <a:noFill/>
+                    <a:ln w="9525">
+                      <a:solidFill>
+                        <a:schemeClr val="accent2"/>
+                      </a:solidFill>
+                    </a:ln>
+                    <a:effectLst/>
+                  </c:spPr>
+                </c:marker>
+                <c:xVal>
+                  <c:numRef>
+                    <c:extLst>
+                      <c:ext uri="{02D57815-91ED-43cb-92C2-25804820EDAC}">
+                        <c15:formulaRef>
+                          <c15:sqref>Sheet2!$B$1:$L$1</c15:sqref>
+                        </c15:formulaRef>
+                      </c:ext>
+                    </c:extLst>
+                    <c:numCache>
+                      <c:formatCode>General</c:formatCode>
+                      <c:ptCount val="11"/>
+                      <c:pt idx="0">
+                        <c:v>0</c:v>
+                      </c:pt>
+                      <c:pt idx="1">
+                        <c:v>0.1</c:v>
+                      </c:pt>
+                      <c:pt idx="2">
+                        <c:v>0.2</c:v>
+                      </c:pt>
+                      <c:pt idx="3">
+                        <c:v>0.3</c:v>
+                      </c:pt>
+                      <c:pt idx="4">
+                        <c:v>0.4</c:v>
+                      </c:pt>
+                      <c:pt idx="5">
+                        <c:v>0.5</c:v>
+                      </c:pt>
+                      <c:pt idx="6">
+                        <c:v>0.6</c:v>
+                      </c:pt>
+                      <c:pt idx="7">
+                        <c:v>0.7</c:v>
+                      </c:pt>
+                      <c:pt idx="8">
+                        <c:v>0.8</c:v>
+                      </c:pt>
+                      <c:pt idx="9">
+                        <c:v>0.9</c:v>
+                      </c:pt>
+                      <c:pt idx="10">
+                        <c:v>1</c:v>
+                      </c:pt>
+                    </c:numCache>
+                  </c:numRef>
+                </c:xVal>
+                <c:yVal>
+                  <c:numRef>
+                    <c:extLst>
+                      <c:ext uri="{02D57815-91ED-43cb-92C2-25804820EDAC}">
+                        <c15:formulaRef>
+                          <c15:sqref>Sheet2!$B$39:$L$39</c15:sqref>
+                        </c15:formulaRef>
+                      </c:ext>
+                    </c:extLst>
+                    <c:numCache>
+                      <c:formatCode>0.0000</c:formatCode>
+                      <c:ptCount val="11"/>
+                      <c:pt idx="0">
+                        <c:v>2.2939855568167199E-2</c:v>
+                      </c:pt>
+                      <c:pt idx="1">
+                        <c:v>1.8486971643020201E-2</c:v>
+                      </c:pt>
+                      <c:pt idx="2">
+                        <c:v>2.69372129374192E-2</c:v>
+                      </c:pt>
+                      <c:pt idx="3">
+                        <c:v>1.7961961123800899E-2</c:v>
+                      </c:pt>
+                      <c:pt idx="4">
+                        <c:v>1.56948242418E-2</c:v>
+                      </c:pt>
+                      <c:pt idx="5">
+                        <c:v>2.01375289234638E-2</c:v>
+                      </c:pt>
+                      <c:pt idx="6">
+                        <c:v>1.79849725922714E-2</c:v>
+                      </c:pt>
+                      <c:pt idx="7">
+                        <c:v>1.53447916623026E-2</c:v>
+                      </c:pt>
+                      <c:pt idx="8">
+                        <c:v>1.38685188147262E-2</c:v>
+                      </c:pt>
+                      <c:pt idx="9">
+                        <c:v>1.23050926075557E-2</c:v>
+                      </c:pt>
+                      <c:pt idx="10">
+                        <c:v>8.0922371243753004E-3</c:v>
+                      </c:pt>
+                    </c:numCache>
+                  </c:numRef>
+                </c:yVal>
+                <c:smooth val="1"/>
+                <c:extLst>
+                  <c:ext xmlns:c16="http://schemas.microsoft.com/office/drawing/2014/chart" uri="{C3380CC4-5D6E-409C-BE32-E72D297353CC}">
+                    <c16:uniqueId val="{00000007-45C6-4CC0-ADAF-E90D53E1E121}"/>
+                  </c:ext>
+                </c:extLst>
+              </c15:ser>
+            </c15:filteredScatterSeries>
+          </c:ext>
+        </c:extLst>
       </c:scatterChart>
       <c:valAx>
         <c:axId val="1057650367"/>
@@ -4580,7 +5140,7 @@
         <c:scaling>
           <c:orientation val="minMax"/>
           <c:max val="0.2"/>
-          <c:min val="-0.1"/>
+          <c:min val="-5.000000000000001E-2"/>
         </c:scaling>
         <c:delete val="0"/>
         <c:axPos val="l"/>
@@ -4704,10 +5264,10 @@
         <c:manualLayout>
           <c:xMode val="edge"/>
           <c:yMode val="edge"/>
-          <c:x val="0.69587335492637892"/>
-          <c:y val="0.20960848643919511"/>
-          <c:w val="0.27965879265091864"/>
-          <c:h val="0.51562117235345573"/>
+          <c:x val="0.6824060888665513"/>
+          <c:y val="0.17201438635959979"/>
+          <c:w val="0.2953305038997785"/>
+          <c:h val="0.50352080989876269"/>
         </c:manualLayout>
       </c:layout>
       <c:overlay val="0"/>
@@ -13933,7 +14493,7 @@
           <a:p>
             <a:fld id="{39FE1772-4609-41D3-9403-348AE1775E01}" type="datetimeFigureOut">
               <a:rPr lang="en-US" smtClean="0"/>
-              <a:t>6/10/2023</a:t>
+              <a:t>6/16/2023</a:t>
             </a:fld>
             <a:endParaRPr lang="en-US"/>
           </a:p>
@@ -14131,7 +14691,7 @@
           <a:p>
             <a:fld id="{39FE1772-4609-41D3-9403-348AE1775E01}" type="datetimeFigureOut">
               <a:rPr lang="en-US" smtClean="0"/>
-              <a:t>6/10/2023</a:t>
+              <a:t>6/16/2023</a:t>
             </a:fld>
             <a:endParaRPr lang="en-US"/>
           </a:p>
@@ -14339,7 +14899,7 @@
           <a:p>
             <a:fld id="{39FE1772-4609-41D3-9403-348AE1775E01}" type="datetimeFigureOut">
               <a:rPr lang="en-US" smtClean="0"/>
-              <a:t>6/10/2023</a:t>
+              <a:t>6/16/2023</a:t>
             </a:fld>
             <a:endParaRPr lang="en-US"/>
           </a:p>
@@ -14537,7 +15097,7 @@
           <a:p>
             <a:fld id="{39FE1772-4609-41D3-9403-348AE1775E01}" type="datetimeFigureOut">
               <a:rPr lang="en-US" smtClean="0"/>
-              <a:t>6/10/2023</a:t>
+              <a:t>6/16/2023</a:t>
             </a:fld>
             <a:endParaRPr lang="en-US"/>
           </a:p>
@@ -14812,7 +15372,7 @@
           <a:p>
             <a:fld id="{39FE1772-4609-41D3-9403-348AE1775E01}" type="datetimeFigureOut">
               <a:rPr lang="en-US" smtClean="0"/>
-              <a:t>6/10/2023</a:t>
+              <a:t>6/16/2023</a:t>
             </a:fld>
             <a:endParaRPr lang="en-US"/>
           </a:p>
@@ -15077,7 +15637,7 @@
           <a:p>
             <a:fld id="{39FE1772-4609-41D3-9403-348AE1775E01}" type="datetimeFigureOut">
               <a:rPr lang="en-US" smtClean="0"/>
-              <a:t>6/10/2023</a:t>
+              <a:t>6/16/2023</a:t>
             </a:fld>
             <a:endParaRPr lang="en-US"/>
           </a:p>
@@ -15489,7 +16049,7 @@
           <a:p>
             <a:fld id="{39FE1772-4609-41D3-9403-348AE1775E01}" type="datetimeFigureOut">
               <a:rPr lang="en-US" smtClean="0"/>
-              <a:t>6/10/2023</a:t>
+              <a:t>6/16/2023</a:t>
             </a:fld>
             <a:endParaRPr lang="en-US"/>
           </a:p>
@@ -15630,7 +16190,7 @@
           <a:p>
             <a:fld id="{39FE1772-4609-41D3-9403-348AE1775E01}" type="datetimeFigureOut">
               <a:rPr lang="en-US" smtClean="0"/>
-              <a:t>6/10/2023</a:t>
+              <a:t>6/16/2023</a:t>
             </a:fld>
             <a:endParaRPr lang="en-US"/>
           </a:p>
@@ -15743,7 +16303,7 @@
           <a:p>
             <a:fld id="{39FE1772-4609-41D3-9403-348AE1775E01}" type="datetimeFigureOut">
               <a:rPr lang="en-US" smtClean="0"/>
-              <a:t>6/10/2023</a:t>
+              <a:t>6/16/2023</a:t>
             </a:fld>
             <a:endParaRPr lang="en-US"/>
           </a:p>
@@ -16054,7 +16614,7 @@
           <a:p>
             <a:fld id="{39FE1772-4609-41D3-9403-348AE1775E01}" type="datetimeFigureOut">
               <a:rPr lang="en-US" smtClean="0"/>
-              <a:t>6/10/2023</a:t>
+              <a:t>6/16/2023</a:t>
             </a:fld>
             <a:endParaRPr lang="en-US"/>
           </a:p>
@@ -16342,7 +16902,7 @@
           <a:p>
             <a:fld id="{39FE1772-4609-41D3-9403-348AE1775E01}" type="datetimeFigureOut">
               <a:rPr lang="en-US" smtClean="0"/>
-              <a:t>6/10/2023</a:t>
+              <a:t>6/16/2023</a:t>
             </a:fld>
             <a:endParaRPr lang="en-US"/>
           </a:p>
@@ -16583,7 +17143,7 @@
           <a:p>
             <a:fld id="{39FE1772-4609-41D3-9403-348AE1775E01}" type="datetimeFigureOut">
               <a:rPr lang="en-US" smtClean="0"/>
-              <a:t>6/10/2023</a:t>
+              <a:t>6/16/2023</a:t>
             </a:fld>
             <a:endParaRPr lang="en-US"/>
           </a:p>
@@ -17892,7 +18452,7 @@
       </p:graphicFrame>
       <p:graphicFrame>
         <p:nvGraphicFramePr>
-          <p:cNvPr id="16" name="Chart 15">
+          <p:cNvPr id="2" name="Chart 1">
             <a:extLst>
               <a:ext uri="{FF2B5EF4-FFF2-40B4-BE49-F238E27FC236}">
                 <a16:creationId xmlns:a16="http://schemas.microsoft.com/office/drawing/2014/main" id="{F551C3BF-BCEE-01B5-BFD4-73589C707099}"/>
@@ -17905,14 +18465,14 @@
           <p:nvPr>
             <p:extLst>
               <p:ext uri="{D42A27DB-BD31-4B8C-83A1-F6EECF244321}">
-                <p14:modId xmlns:p14="http://schemas.microsoft.com/office/powerpoint/2010/main" val="1851053499"/>
+                <p14:modId xmlns:p14="http://schemas.microsoft.com/office/powerpoint/2010/main" val="798326688"/>
               </p:ext>
             </p:extLst>
           </p:nvPr>
         </p:nvGraphicFramePr>
         <p:xfrm>
-          <a:off x="1517590" y="594526"/>
-          <a:ext cx="4297680" cy="2743200"/>
+          <a:off x="1759325" y="1121"/>
+          <a:ext cx="4297680" cy="3200400"/>
         </p:xfrm>
         <a:graphic>
           <a:graphicData uri="http://schemas.openxmlformats.org/drawingml/2006/chart">
@@ -17922,7 +18482,7 @@
       </p:graphicFrame>
       <p:graphicFrame>
         <p:nvGraphicFramePr>
-          <p:cNvPr id="17" name="Chart 16">
+          <p:cNvPr id="3" name="Chart 2">
             <a:extLst>
               <a:ext uri="{FF2B5EF4-FFF2-40B4-BE49-F238E27FC236}">
                 <a16:creationId xmlns:a16="http://schemas.microsoft.com/office/drawing/2014/main" id="{614802EF-65BF-4355-829C-E8FF282BEFB4}"/>
@@ -17935,14 +18495,14 @@
           <p:nvPr>
             <p:extLst>
               <p:ext uri="{D42A27DB-BD31-4B8C-83A1-F6EECF244321}">
-                <p14:modId xmlns:p14="http://schemas.microsoft.com/office/powerpoint/2010/main" val="1945200944"/>
+                <p14:modId xmlns:p14="http://schemas.microsoft.com/office/powerpoint/2010/main" val="1871768094"/>
               </p:ext>
             </p:extLst>
           </p:nvPr>
         </p:nvGraphicFramePr>
         <p:xfrm>
-          <a:off x="7481156" y="454826"/>
-          <a:ext cx="4297680" cy="2743200"/>
+          <a:off x="6096000" y="0"/>
+          <a:ext cx="4297680" cy="3200400"/>
         </p:xfrm>
         <a:graphic>
           <a:graphicData uri="http://schemas.openxmlformats.org/drawingml/2006/chart">
